--- a/files/EFC Group 5.pptx
+++ b/files/EFC Group 5.pptx
@@ -1015,218 +1015,26 @@
     </pc:docChg>
   </pc:docChgLst>
   <pc:docChgLst>
-    <pc:chgData name="Bharati Amodkar" userId="S::bharatia20@iimb.ac.in::2e55b8d5-52bb-48e1-8681-a02c247dfb34" providerId="AD" clId="Web-{DC63E01C-608B-4C97-8271-CC4B0157A2A6}"/>
+    <pc:chgData name="M Rahav" userId="S::rahavm20@iimb.ac.in::c3eeb601-19ae-4960-8a8f-c5e74cc71fd4" providerId="AD" clId="Web-{DEAAF548-EAF6-9C22-EC1E-53EC56360CEE}"/>
     <pc:docChg chg="modSld">
-      <pc:chgData name="Bharati Amodkar" userId="S::bharatia20@iimb.ac.in::2e55b8d5-52bb-48e1-8681-a02c247dfb34" providerId="AD" clId="Web-{DC63E01C-608B-4C97-8271-CC4B0157A2A6}" dt="2021-08-27T04:01:15.301" v="28" actId="1076"/>
+      <pc:chgData name="M Rahav" userId="S::rahavm20@iimb.ac.in::c3eeb601-19ae-4960-8a8f-c5e74cc71fd4" providerId="AD" clId="Web-{DEAAF548-EAF6-9C22-EC1E-53EC56360CEE}" dt="2021-08-27T09:28:42.347" v="3" actId="20577"/>
       <pc:docMkLst>
         <pc:docMk/>
       </pc:docMkLst>
       <pc:sldChg chg="modSp">
-        <pc:chgData name="Bharati Amodkar" userId="S::bharatia20@iimb.ac.in::2e55b8d5-52bb-48e1-8681-a02c247dfb34" providerId="AD" clId="Web-{DC63E01C-608B-4C97-8271-CC4B0157A2A6}" dt="2021-08-27T04:01:15.301" v="28" actId="1076"/>
+        <pc:chgData name="M Rahav" userId="S::rahavm20@iimb.ac.in::c3eeb601-19ae-4960-8a8f-c5e74cc71fd4" providerId="AD" clId="Web-{DEAAF548-EAF6-9C22-EC1E-53EC56360CEE}" dt="2021-08-27T09:28:42.347" v="3" actId="20577"/>
         <pc:sldMkLst>
           <pc:docMk/>
-          <pc:sldMk cId="2911658869" sldId="264"/>
+          <pc:sldMk cId="2102867952" sldId="282"/>
         </pc:sldMkLst>
         <pc:spChg chg="mod">
-          <ac:chgData name="Bharati Amodkar" userId="S::bharatia20@iimb.ac.in::2e55b8d5-52bb-48e1-8681-a02c247dfb34" providerId="AD" clId="Web-{DC63E01C-608B-4C97-8271-CC4B0157A2A6}" dt="2021-08-27T03:59:46.034" v="6" actId="1076"/>
-          <ac:spMkLst>
-            <pc:docMk/>
-            <pc:sldMk cId="2911658869" sldId="264"/>
-            <ac:spMk id="19" creationId="{1B82167A-F82D-46EB-A061-ACD8FF002795}"/>
-          </ac:spMkLst>
-        </pc:spChg>
-        <pc:spChg chg="mod">
-          <ac:chgData name="Bharati Amodkar" userId="S::bharatia20@iimb.ac.in::2e55b8d5-52bb-48e1-8681-a02c247dfb34" providerId="AD" clId="Web-{DC63E01C-608B-4C97-8271-CC4B0157A2A6}" dt="2021-08-27T04:00:15.722" v="14" actId="1076"/>
-          <ac:spMkLst>
-            <pc:docMk/>
-            <pc:sldMk cId="2911658869" sldId="264"/>
-            <ac:spMk id="25" creationId="{BF010B8E-F992-497C-ADFD-D8129260798E}"/>
-          </ac:spMkLst>
-        </pc:spChg>
-        <pc:spChg chg="mod">
-          <ac:chgData name="Bharati Amodkar" userId="S::bharatia20@iimb.ac.in::2e55b8d5-52bb-48e1-8681-a02c247dfb34" providerId="AD" clId="Web-{DC63E01C-608B-4C97-8271-CC4B0157A2A6}" dt="2021-08-27T04:00:30.550" v="18" actId="1076"/>
-          <ac:spMkLst>
-            <pc:docMk/>
-            <pc:sldMk cId="2911658869" sldId="264"/>
-            <ac:spMk id="27" creationId="{D1271A7E-B244-4F5B-9A0D-9117B15EFF8F}"/>
-          </ac:spMkLst>
-        </pc:spChg>
-        <pc:spChg chg="mod">
-          <ac:chgData name="Bharati Amodkar" userId="S::bharatia20@iimb.ac.in::2e55b8d5-52bb-48e1-8681-a02c247dfb34" providerId="AD" clId="Web-{DC63E01C-608B-4C97-8271-CC4B0157A2A6}" dt="2021-08-27T04:00:49.238" v="22" actId="1076"/>
-          <ac:spMkLst>
-            <pc:docMk/>
-            <pc:sldMk cId="2911658869" sldId="264"/>
-            <ac:spMk id="36" creationId="{EC1698CE-81F2-4369-A485-E28275E1E5EA}"/>
-          </ac:spMkLst>
-        </pc:spChg>
-        <pc:spChg chg="mod">
-          <ac:chgData name="Bharati Amodkar" userId="S::bharatia20@iimb.ac.in::2e55b8d5-52bb-48e1-8681-a02c247dfb34" providerId="AD" clId="Web-{DC63E01C-608B-4C97-8271-CC4B0157A2A6}" dt="2021-08-27T04:01:15.301" v="28" actId="1076"/>
-          <ac:spMkLst>
-            <pc:docMk/>
-            <pc:sldMk cId="2911658869" sldId="264"/>
-            <ac:spMk id="38" creationId="{27B23445-ABF6-42B9-9137-38B9AD8DAA12}"/>
-          </ac:spMkLst>
-        </pc:spChg>
-        <pc:spChg chg="mod">
-          <ac:chgData name="Bharati Amodkar" userId="S::bharatia20@iimb.ac.in::2e55b8d5-52bb-48e1-8681-a02c247dfb34" providerId="AD" clId="Web-{DC63E01C-608B-4C97-8271-CC4B0157A2A6}" dt="2021-08-27T03:59:57.143" v="7" actId="1076"/>
-          <ac:spMkLst>
-            <pc:docMk/>
-            <pc:sldMk cId="2911658869" sldId="264"/>
-            <ac:spMk id="39" creationId="{50D284CE-7B9C-4530-B138-8ED72A8B9196}"/>
-          </ac:spMkLst>
-        </pc:spChg>
-        <pc:spChg chg="mod">
-          <ac:chgData name="Bharati Amodkar" userId="S::bharatia20@iimb.ac.in::2e55b8d5-52bb-48e1-8681-a02c247dfb34" providerId="AD" clId="Web-{DC63E01C-608B-4C97-8271-CC4B0157A2A6}" dt="2021-08-27T03:59:28.361" v="0" actId="1076"/>
-          <ac:spMkLst>
-            <pc:docMk/>
-            <pc:sldMk cId="2911658869" sldId="264"/>
-            <ac:spMk id="55" creationId="{A21FF0E7-3828-4E61-A781-CFDE5436572E}"/>
-          </ac:spMkLst>
-        </pc:spChg>
-        <pc:spChg chg="mod">
-          <ac:chgData name="Bharati Amodkar" userId="S::bharatia20@iimb.ac.in::2e55b8d5-52bb-48e1-8681-a02c247dfb34" providerId="AD" clId="Web-{DC63E01C-608B-4C97-8271-CC4B0157A2A6}" dt="2021-08-27T04:00:09.284" v="11" actId="1076"/>
-          <ac:spMkLst>
-            <pc:docMk/>
-            <pc:sldMk cId="2911658869" sldId="264"/>
-            <ac:spMk id="57" creationId="{7513B009-0CE6-4B5F-ABC0-03F7A3E00E34}"/>
-          </ac:spMkLst>
-        </pc:spChg>
-        <pc:spChg chg="mod">
-          <ac:chgData name="Bharati Amodkar" userId="S::bharatia20@iimb.ac.in::2e55b8d5-52bb-48e1-8681-a02c247dfb34" providerId="AD" clId="Web-{DC63E01C-608B-4C97-8271-CC4B0157A2A6}" dt="2021-08-27T04:00:25.081" v="16" actId="1076"/>
-          <ac:spMkLst>
-            <pc:docMk/>
-            <pc:sldMk cId="2911658869" sldId="264"/>
-            <ac:spMk id="60" creationId="{83309E0D-1E42-42E1-BA4E-5605B2E27AC6}"/>
-          </ac:spMkLst>
-        </pc:spChg>
-        <pc:spChg chg="mod">
-          <ac:chgData name="Bharati Amodkar" userId="S::bharatia20@iimb.ac.in::2e55b8d5-52bb-48e1-8681-a02c247dfb34" providerId="AD" clId="Web-{DC63E01C-608B-4C97-8271-CC4B0157A2A6}" dt="2021-08-27T04:01:01.238" v="23" actId="1076"/>
-          <ac:spMkLst>
-            <pc:docMk/>
-            <pc:sldMk cId="2911658869" sldId="264"/>
-            <ac:spMk id="61" creationId="{6CD61783-1C9D-44F6-92FE-1B000D2F3493}"/>
-          </ac:spMkLst>
-        </pc:spChg>
-        <pc:spChg chg="mod">
-          <ac:chgData name="Bharati Amodkar" userId="S::bharatia20@iimb.ac.in::2e55b8d5-52bb-48e1-8681-a02c247dfb34" providerId="AD" clId="Web-{DC63E01C-608B-4C97-8271-CC4B0157A2A6}" dt="2021-08-27T04:01:10.254" v="25" actId="1076"/>
-          <ac:spMkLst>
-            <pc:docMk/>
-            <pc:sldMk cId="2911658869" sldId="264"/>
-            <ac:spMk id="63" creationId="{32493B9D-FD07-4005-BCE6-B47F4449F2F5}"/>
-          </ac:spMkLst>
-        </pc:spChg>
-        <pc:spChg chg="mod">
-          <ac:chgData name="Bharati Amodkar" userId="S::bharatia20@iimb.ac.in::2e55b8d5-52bb-48e1-8681-a02c247dfb34" providerId="AD" clId="Web-{DC63E01C-608B-4C97-8271-CC4B0157A2A6}" dt="2021-08-27T04:00:05.003" v="10" actId="1076"/>
-          <ac:spMkLst>
-            <pc:docMk/>
-            <pc:sldMk cId="2911658869" sldId="264"/>
-            <ac:spMk id="66" creationId="{EB4D3670-8C10-4FBF-8F5C-8AAA454B5C90}"/>
-          </ac:spMkLst>
-        </pc:spChg>
-        <pc:picChg chg="mod">
-          <ac:chgData name="Bharati Amodkar" userId="S::bharatia20@iimb.ac.in::2e55b8d5-52bb-48e1-8681-a02c247dfb34" providerId="AD" clId="Web-{DC63E01C-608B-4C97-8271-CC4B0157A2A6}" dt="2021-08-27T03:59:46.018" v="5" actId="1076"/>
-          <ac:picMkLst>
-            <pc:docMk/>
-            <pc:sldMk cId="2911658869" sldId="264"/>
-            <ac:picMk id="43" creationId="{00E09E41-A081-41D1-A623-770C67D73218}"/>
-          </ac:picMkLst>
-        </pc:picChg>
-        <pc:picChg chg="mod">
-          <ac:chgData name="Bharati Amodkar" userId="S::bharatia20@iimb.ac.in::2e55b8d5-52bb-48e1-8681-a02c247dfb34" providerId="AD" clId="Web-{DC63E01C-608B-4C97-8271-CC4B0157A2A6}" dt="2021-08-27T03:59:31.502" v="2" actId="1076"/>
-          <ac:picMkLst>
-            <pc:docMk/>
-            <pc:sldMk cId="2911658869" sldId="264"/>
-            <ac:picMk id="46" creationId="{7F6F1DED-9777-462E-8641-E6CFDB6C4E83}"/>
-          </ac:picMkLst>
-        </pc:picChg>
-        <pc:picChg chg="mod">
-          <ac:chgData name="Bharati Amodkar" userId="S::bharatia20@iimb.ac.in::2e55b8d5-52bb-48e1-8681-a02c247dfb34" providerId="AD" clId="Web-{DC63E01C-608B-4C97-8271-CC4B0157A2A6}" dt="2021-08-27T04:00:15.690" v="13" actId="1076"/>
-          <ac:picMkLst>
-            <pc:docMk/>
-            <pc:sldMk cId="2911658869" sldId="264"/>
-            <ac:picMk id="49" creationId="{37AD941D-A8B5-4BBD-8A23-454A916CA57A}"/>
-          </ac:picMkLst>
-        </pc:picChg>
-        <pc:picChg chg="mod">
-          <ac:chgData name="Bharati Amodkar" userId="S::bharatia20@iimb.ac.in::2e55b8d5-52bb-48e1-8681-a02c247dfb34" providerId="AD" clId="Web-{DC63E01C-608B-4C97-8271-CC4B0157A2A6}" dt="2021-08-27T04:00:30.534" v="17" actId="1076"/>
-          <ac:picMkLst>
-            <pc:docMk/>
-            <pc:sldMk cId="2911658869" sldId="264"/>
-            <ac:picMk id="50" creationId="{CAB8B92B-0735-4069-895C-4D2956FC9B1F}"/>
-          </ac:picMkLst>
-        </pc:picChg>
-        <pc:picChg chg="mod">
-          <ac:chgData name="Bharati Amodkar" userId="S::bharatia20@iimb.ac.in::2e55b8d5-52bb-48e1-8681-a02c247dfb34" providerId="AD" clId="Web-{DC63E01C-608B-4C97-8271-CC4B0157A2A6}" dt="2021-08-27T04:00:49.224" v="21" actId="1076"/>
-          <ac:picMkLst>
-            <pc:docMk/>
-            <pc:sldMk cId="2911658869" sldId="264"/>
-            <ac:picMk id="51" creationId="{F43EE32A-BC8D-449B-8747-4BB39F9415B4}"/>
-          </ac:picMkLst>
-        </pc:picChg>
-        <pc:picChg chg="mod">
-          <ac:chgData name="Bharati Amodkar" userId="S::bharatia20@iimb.ac.in::2e55b8d5-52bb-48e1-8681-a02c247dfb34" providerId="AD" clId="Web-{DC63E01C-608B-4C97-8271-CC4B0157A2A6}" dt="2021-08-27T04:01:15.285" v="27" actId="1076"/>
-          <ac:picMkLst>
-            <pc:docMk/>
-            <pc:sldMk cId="2911658869" sldId="264"/>
-            <ac:picMk id="54" creationId="{800964F3-3695-4048-996C-92E7C95933B6}"/>
-          </ac:picMkLst>
-        </pc:picChg>
-        <pc:cxnChg chg="mod">
-          <ac:chgData name="Bharati Amodkar" userId="S::bharatia20@iimb.ac.in::2e55b8d5-52bb-48e1-8681-a02c247dfb34" providerId="AD" clId="Web-{DC63E01C-608B-4C97-8271-CC4B0157A2A6}" dt="2021-08-27T03:59:57.159" v="8" actId="1076"/>
-          <ac:cxnSpMkLst>
-            <pc:docMk/>
-            <pc:sldMk cId="2911658869" sldId="264"/>
-            <ac:cxnSpMk id="40" creationId="{BA1DD1E3-CD7C-4200-A288-7D54BC23DCCC}"/>
-          </ac:cxnSpMkLst>
-        </pc:cxnChg>
-        <pc:cxnChg chg="mod">
-          <ac:chgData name="Bharati Amodkar" userId="S::bharatia20@iimb.ac.in::2e55b8d5-52bb-48e1-8681-a02c247dfb34" providerId="AD" clId="Web-{DC63E01C-608B-4C97-8271-CC4B0157A2A6}" dt="2021-08-27T03:59:28.377" v="1" actId="1076"/>
-          <ac:cxnSpMkLst>
-            <pc:docMk/>
-            <pc:sldMk cId="2911658869" sldId="264"/>
-            <ac:cxnSpMk id="56" creationId="{7E632E52-D039-4B0D-BE6C-5735BB4DF65B}"/>
-          </ac:cxnSpMkLst>
-        </pc:cxnChg>
-        <pc:cxnChg chg="mod">
-          <ac:chgData name="Bharati Amodkar" userId="S::bharatia20@iimb.ac.in::2e55b8d5-52bb-48e1-8681-a02c247dfb34" providerId="AD" clId="Web-{DC63E01C-608B-4C97-8271-CC4B0157A2A6}" dt="2021-08-27T04:00:09.300" v="12" actId="1076"/>
-          <ac:cxnSpMkLst>
-            <pc:docMk/>
-            <pc:sldMk cId="2911658869" sldId="264"/>
-            <ac:cxnSpMk id="58" creationId="{E5077D8A-DEC8-4E84-8921-BABDE76282F0}"/>
-          </ac:cxnSpMkLst>
-        </pc:cxnChg>
-        <pc:cxnChg chg="mod">
-          <ac:chgData name="Bharati Amodkar" userId="S::bharatia20@iimb.ac.in::2e55b8d5-52bb-48e1-8681-a02c247dfb34" providerId="AD" clId="Web-{DC63E01C-608B-4C97-8271-CC4B0157A2A6}" dt="2021-08-27T04:00:25.050" v="15" actId="1076"/>
-          <ac:cxnSpMkLst>
-            <pc:docMk/>
-            <pc:sldMk cId="2911658869" sldId="264"/>
-            <ac:cxnSpMk id="59" creationId="{60A418DA-08EF-450B-B5D1-213BF0327192}"/>
-          </ac:cxnSpMkLst>
-        </pc:cxnChg>
-        <pc:cxnChg chg="mod">
-          <ac:chgData name="Bharati Amodkar" userId="S::bharatia20@iimb.ac.in::2e55b8d5-52bb-48e1-8681-a02c247dfb34" providerId="AD" clId="Web-{DC63E01C-608B-4C97-8271-CC4B0157A2A6}" dt="2021-08-27T04:01:01.254" v="24" actId="1076"/>
-          <ac:cxnSpMkLst>
-            <pc:docMk/>
-            <pc:sldMk cId="2911658869" sldId="264"/>
-            <ac:cxnSpMk id="62" creationId="{3A9FCA68-0629-4DB6-960D-48A88C03D49A}"/>
-          </ac:cxnSpMkLst>
-        </pc:cxnChg>
-        <pc:cxnChg chg="mod">
-          <ac:chgData name="Bharati Amodkar" userId="S::bharatia20@iimb.ac.in::2e55b8d5-52bb-48e1-8681-a02c247dfb34" providerId="AD" clId="Web-{DC63E01C-608B-4C97-8271-CC4B0157A2A6}" dt="2021-08-27T04:01:10.285" v="26" actId="1076"/>
-          <ac:cxnSpMkLst>
-            <pc:docMk/>
-            <pc:sldMk cId="2911658869" sldId="264"/>
-            <ac:cxnSpMk id="64" creationId="{9670BA52-B95A-445E-8DF0-C3DEFFB3458C}"/>
-          </ac:cxnSpMkLst>
-        </pc:cxnChg>
-        <pc:cxnChg chg="mod">
-          <ac:chgData name="Bharati Amodkar" userId="S::bharatia20@iimb.ac.in::2e55b8d5-52bb-48e1-8681-a02c247dfb34" providerId="AD" clId="Web-{DC63E01C-608B-4C97-8271-CC4B0157A2A6}" dt="2021-08-27T04:00:04.987" v="9" actId="1076"/>
-          <ac:cxnSpMkLst>
-            <pc:docMk/>
-            <pc:sldMk cId="2911658869" sldId="264"/>
-            <ac:cxnSpMk id="65" creationId="{66EC1B05-7987-4B58-82EF-7620D34FC62A}"/>
-          </ac:cxnSpMkLst>
-        </pc:cxnChg>
+          <ac:chgData name="M Rahav" userId="S::rahavm20@iimb.ac.in::c3eeb601-19ae-4960-8a8f-c5e74cc71fd4" providerId="AD" clId="Web-{DEAAF548-EAF6-9C22-EC1E-53EC56360CEE}" dt="2021-08-27T09:28:42.347" v="3" actId="20577"/>
+          <ac:spMkLst>
+            <pc:docMk/>
+            <pc:sldMk cId="2102867952" sldId="282"/>
+            <ac:spMk id="7" creationId="{B03AA5FA-744E-1448-B01C-5BDF61DD92FC}"/>
+          </ac:spMkLst>
+        </pc:spChg>
       </pc:sldChg>
     </pc:docChg>
   </pc:docChgLst>
@@ -3117,26 +2925,218 @@
     </pc:docChg>
   </pc:docChgLst>
   <pc:docChgLst>
-    <pc:chgData name="M Rahav" userId="S::rahavm20@iimb.ac.in::c3eeb601-19ae-4960-8a8f-c5e74cc71fd4" providerId="AD" clId="Web-{DEAAF548-EAF6-9C22-EC1E-53EC56360CEE}"/>
+    <pc:chgData name="Bharati Amodkar" userId="S::bharatia20@iimb.ac.in::2e55b8d5-52bb-48e1-8681-a02c247dfb34" providerId="AD" clId="Web-{DC63E01C-608B-4C97-8271-CC4B0157A2A6}"/>
     <pc:docChg chg="modSld">
-      <pc:chgData name="M Rahav" userId="S::rahavm20@iimb.ac.in::c3eeb601-19ae-4960-8a8f-c5e74cc71fd4" providerId="AD" clId="Web-{DEAAF548-EAF6-9C22-EC1E-53EC56360CEE}" dt="2021-08-27T09:28:42.347" v="3" actId="20577"/>
+      <pc:chgData name="Bharati Amodkar" userId="S::bharatia20@iimb.ac.in::2e55b8d5-52bb-48e1-8681-a02c247dfb34" providerId="AD" clId="Web-{DC63E01C-608B-4C97-8271-CC4B0157A2A6}" dt="2021-08-27T04:01:15.301" v="28" actId="1076"/>
       <pc:docMkLst>
         <pc:docMk/>
       </pc:docMkLst>
       <pc:sldChg chg="modSp">
-        <pc:chgData name="M Rahav" userId="S::rahavm20@iimb.ac.in::c3eeb601-19ae-4960-8a8f-c5e74cc71fd4" providerId="AD" clId="Web-{DEAAF548-EAF6-9C22-EC1E-53EC56360CEE}" dt="2021-08-27T09:28:42.347" v="3" actId="20577"/>
+        <pc:chgData name="Bharati Amodkar" userId="S::bharatia20@iimb.ac.in::2e55b8d5-52bb-48e1-8681-a02c247dfb34" providerId="AD" clId="Web-{DC63E01C-608B-4C97-8271-CC4B0157A2A6}" dt="2021-08-27T04:01:15.301" v="28" actId="1076"/>
         <pc:sldMkLst>
           <pc:docMk/>
-          <pc:sldMk cId="2102867952" sldId="282"/>
+          <pc:sldMk cId="2911658869" sldId="264"/>
         </pc:sldMkLst>
         <pc:spChg chg="mod">
-          <ac:chgData name="M Rahav" userId="S::rahavm20@iimb.ac.in::c3eeb601-19ae-4960-8a8f-c5e74cc71fd4" providerId="AD" clId="Web-{DEAAF548-EAF6-9C22-EC1E-53EC56360CEE}" dt="2021-08-27T09:28:42.347" v="3" actId="20577"/>
-          <ac:spMkLst>
-            <pc:docMk/>
-            <pc:sldMk cId="2102867952" sldId="282"/>
-            <ac:spMk id="7" creationId="{B03AA5FA-744E-1448-B01C-5BDF61DD92FC}"/>
-          </ac:spMkLst>
-        </pc:spChg>
+          <ac:chgData name="Bharati Amodkar" userId="S::bharatia20@iimb.ac.in::2e55b8d5-52bb-48e1-8681-a02c247dfb34" providerId="AD" clId="Web-{DC63E01C-608B-4C97-8271-CC4B0157A2A6}" dt="2021-08-27T03:59:46.034" v="6" actId="1076"/>
+          <ac:spMkLst>
+            <pc:docMk/>
+            <pc:sldMk cId="2911658869" sldId="264"/>
+            <ac:spMk id="19" creationId="{1B82167A-F82D-46EB-A061-ACD8FF002795}"/>
+          </ac:spMkLst>
+        </pc:spChg>
+        <pc:spChg chg="mod">
+          <ac:chgData name="Bharati Amodkar" userId="S::bharatia20@iimb.ac.in::2e55b8d5-52bb-48e1-8681-a02c247dfb34" providerId="AD" clId="Web-{DC63E01C-608B-4C97-8271-CC4B0157A2A6}" dt="2021-08-27T04:00:15.722" v="14" actId="1076"/>
+          <ac:spMkLst>
+            <pc:docMk/>
+            <pc:sldMk cId="2911658869" sldId="264"/>
+            <ac:spMk id="25" creationId="{BF010B8E-F992-497C-ADFD-D8129260798E}"/>
+          </ac:spMkLst>
+        </pc:spChg>
+        <pc:spChg chg="mod">
+          <ac:chgData name="Bharati Amodkar" userId="S::bharatia20@iimb.ac.in::2e55b8d5-52bb-48e1-8681-a02c247dfb34" providerId="AD" clId="Web-{DC63E01C-608B-4C97-8271-CC4B0157A2A6}" dt="2021-08-27T04:00:30.550" v="18" actId="1076"/>
+          <ac:spMkLst>
+            <pc:docMk/>
+            <pc:sldMk cId="2911658869" sldId="264"/>
+            <ac:spMk id="27" creationId="{D1271A7E-B244-4F5B-9A0D-9117B15EFF8F}"/>
+          </ac:spMkLst>
+        </pc:spChg>
+        <pc:spChg chg="mod">
+          <ac:chgData name="Bharati Amodkar" userId="S::bharatia20@iimb.ac.in::2e55b8d5-52bb-48e1-8681-a02c247dfb34" providerId="AD" clId="Web-{DC63E01C-608B-4C97-8271-CC4B0157A2A6}" dt="2021-08-27T04:00:49.238" v="22" actId="1076"/>
+          <ac:spMkLst>
+            <pc:docMk/>
+            <pc:sldMk cId="2911658869" sldId="264"/>
+            <ac:spMk id="36" creationId="{EC1698CE-81F2-4369-A485-E28275E1E5EA}"/>
+          </ac:spMkLst>
+        </pc:spChg>
+        <pc:spChg chg="mod">
+          <ac:chgData name="Bharati Amodkar" userId="S::bharatia20@iimb.ac.in::2e55b8d5-52bb-48e1-8681-a02c247dfb34" providerId="AD" clId="Web-{DC63E01C-608B-4C97-8271-CC4B0157A2A6}" dt="2021-08-27T04:01:15.301" v="28" actId="1076"/>
+          <ac:spMkLst>
+            <pc:docMk/>
+            <pc:sldMk cId="2911658869" sldId="264"/>
+            <ac:spMk id="38" creationId="{27B23445-ABF6-42B9-9137-38B9AD8DAA12}"/>
+          </ac:spMkLst>
+        </pc:spChg>
+        <pc:spChg chg="mod">
+          <ac:chgData name="Bharati Amodkar" userId="S::bharatia20@iimb.ac.in::2e55b8d5-52bb-48e1-8681-a02c247dfb34" providerId="AD" clId="Web-{DC63E01C-608B-4C97-8271-CC4B0157A2A6}" dt="2021-08-27T03:59:57.143" v="7" actId="1076"/>
+          <ac:spMkLst>
+            <pc:docMk/>
+            <pc:sldMk cId="2911658869" sldId="264"/>
+            <ac:spMk id="39" creationId="{50D284CE-7B9C-4530-B138-8ED72A8B9196}"/>
+          </ac:spMkLst>
+        </pc:spChg>
+        <pc:spChg chg="mod">
+          <ac:chgData name="Bharati Amodkar" userId="S::bharatia20@iimb.ac.in::2e55b8d5-52bb-48e1-8681-a02c247dfb34" providerId="AD" clId="Web-{DC63E01C-608B-4C97-8271-CC4B0157A2A6}" dt="2021-08-27T03:59:28.361" v="0" actId="1076"/>
+          <ac:spMkLst>
+            <pc:docMk/>
+            <pc:sldMk cId="2911658869" sldId="264"/>
+            <ac:spMk id="55" creationId="{A21FF0E7-3828-4E61-A781-CFDE5436572E}"/>
+          </ac:spMkLst>
+        </pc:spChg>
+        <pc:spChg chg="mod">
+          <ac:chgData name="Bharati Amodkar" userId="S::bharatia20@iimb.ac.in::2e55b8d5-52bb-48e1-8681-a02c247dfb34" providerId="AD" clId="Web-{DC63E01C-608B-4C97-8271-CC4B0157A2A6}" dt="2021-08-27T04:00:09.284" v="11" actId="1076"/>
+          <ac:spMkLst>
+            <pc:docMk/>
+            <pc:sldMk cId="2911658869" sldId="264"/>
+            <ac:spMk id="57" creationId="{7513B009-0CE6-4B5F-ABC0-03F7A3E00E34}"/>
+          </ac:spMkLst>
+        </pc:spChg>
+        <pc:spChg chg="mod">
+          <ac:chgData name="Bharati Amodkar" userId="S::bharatia20@iimb.ac.in::2e55b8d5-52bb-48e1-8681-a02c247dfb34" providerId="AD" clId="Web-{DC63E01C-608B-4C97-8271-CC4B0157A2A6}" dt="2021-08-27T04:00:25.081" v="16" actId="1076"/>
+          <ac:spMkLst>
+            <pc:docMk/>
+            <pc:sldMk cId="2911658869" sldId="264"/>
+            <ac:spMk id="60" creationId="{83309E0D-1E42-42E1-BA4E-5605B2E27AC6}"/>
+          </ac:spMkLst>
+        </pc:spChg>
+        <pc:spChg chg="mod">
+          <ac:chgData name="Bharati Amodkar" userId="S::bharatia20@iimb.ac.in::2e55b8d5-52bb-48e1-8681-a02c247dfb34" providerId="AD" clId="Web-{DC63E01C-608B-4C97-8271-CC4B0157A2A6}" dt="2021-08-27T04:01:01.238" v="23" actId="1076"/>
+          <ac:spMkLst>
+            <pc:docMk/>
+            <pc:sldMk cId="2911658869" sldId="264"/>
+            <ac:spMk id="61" creationId="{6CD61783-1C9D-44F6-92FE-1B000D2F3493}"/>
+          </ac:spMkLst>
+        </pc:spChg>
+        <pc:spChg chg="mod">
+          <ac:chgData name="Bharati Amodkar" userId="S::bharatia20@iimb.ac.in::2e55b8d5-52bb-48e1-8681-a02c247dfb34" providerId="AD" clId="Web-{DC63E01C-608B-4C97-8271-CC4B0157A2A6}" dt="2021-08-27T04:01:10.254" v="25" actId="1076"/>
+          <ac:spMkLst>
+            <pc:docMk/>
+            <pc:sldMk cId="2911658869" sldId="264"/>
+            <ac:spMk id="63" creationId="{32493B9D-FD07-4005-BCE6-B47F4449F2F5}"/>
+          </ac:spMkLst>
+        </pc:spChg>
+        <pc:spChg chg="mod">
+          <ac:chgData name="Bharati Amodkar" userId="S::bharatia20@iimb.ac.in::2e55b8d5-52bb-48e1-8681-a02c247dfb34" providerId="AD" clId="Web-{DC63E01C-608B-4C97-8271-CC4B0157A2A6}" dt="2021-08-27T04:00:05.003" v="10" actId="1076"/>
+          <ac:spMkLst>
+            <pc:docMk/>
+            <pc:sldMk cId="2911658869" sldId="264"/>
+            <ac:spMk id="66" creationId="{EB4D3670-8C10-4FBF-8F5C-8AAA454B5C90}"/>
+          </ac:spMkLst>
+        </pc:spChg>
+        <pc:picChg chg="mod">
+          <ac:chgData name="Bharati Amodkar" userId="S::bharatia20@iimb.ac.in::2e55b8d5-52bb-48e1-8681-a02c247dfb34" providerId="AD" clId="Web-{DC63E01C-608B-4C97-8271-CC4B0157A2A6}" dt="2021-08-27T03:59:46.018" v="5" actId="1076"/>
+          <ac:picMkLst>
+            <pc:docMk/>
+            <pc:sldMk cId="2911658869" sldId="264"/>
+            <ac:picMk id="43" creationId="{00E09E41-A081-41D1-A623-770C67D73218}"/>
+          </ac:picMkLst>
+        </pc:picChg>
+        <pc:picChg chg="mod">
+          <ac:chgData name="Bharati Amodkar" userId="S::bharatia20@iimb.ac.in::2e55b8d5-52bb-48e1-8681-a02c247dfb34" providerId="AD" clId="Web-{DC63E01C-608B-4C97-8271-CC4B0157A2A6}" dt="2021-08-27T03:59:31.502" v="2" actId="1076"/>
+          <ac:picMkLst>
+            <pc:docMk/>
+            <pc:sldMk cId="2911658869" sldId="264"/>
+            <ac:picMk id="46" creationId="{7F6F1DED-9777-462E-8641-E6CFDB6C4E83}"/>
+          </ac:picMkLst>
+        </pc:picChg>
+        <pc:picChg chg="mod">
+          <ac:chgData name="Bharati Amodkar" userId="S::bharatia20@iimb.ac.in::2e55b8d5-52bb-48e1-8681-a02c247dfb34" providerId="AD" clId="Web-{DC63E01C-608B-4C97-8271-CC4B0157A2A6}" dt="2021-08-27T04:00:15.690" v="13" actId="1076"/>
+          <ac:picMkLst>
+            <pc:docMk/>
+            <pc:sldMk cId="2911658869" sldId="264"/>
+            <ac:picMk id="49" creationId="{37AD941D-A8B5-4BBD-8A23-454A916CA57A}"/>
+          </ac:picMkLst>
+        </pc:picChg>
+        <pc:picChg chg="mod">
+          <ac:chgData name="Bharati Amodkar" userId="S::bharatia20@iimb.ac.in::2e55b8d5-52bb-48e1-8681-a02c247dfb34" providerId="AD" clId="Web-{DC63E01C-608B-4C97-8271-CC4B0157A2A6}" dt="2021-08-27T04:00:30.534" v="17" actId="1076"/>
+          <ac:picMkLst>
+            <pc:docMk/>
+            <pc:sldMk cId="2911658869" sldId="264"/>
+            <ac:picMk id="50" creationId="{CAB8B92B-0735-4069-895C-4D2956FC9B1F}"/>
+          </ac:picMkLst>
+        </pc:picChg>
+        <pc:picChg chg="mod">
+          <ac:chgData name="Bharati Amodkar" userId="S::bharatia20@iimb.ac.in::2e55b8d5-52bb-48e1-8681-a02c247dfb34" providerId="AD" clId="Web-{DC63E01C-608B-4C97-8271-CC4B0157A2A6}" dt="2021-08-27T04:00:49.224" v="21" actId="1076"/>
+          <ac:picMkLst>
+            <pc:docMk/>
+            <pc:sldMk cId="2911658869" sldId="264"/>
+            <ac:picMk id="51" creationId="{F43EE32A-BC8D-449B-8747-4BB39F9415B4}"/>
+          </ac:picMkLst>
+        </pc:picChg>
+        <pc:picChg chg="mod">
+          <ac:chgData name="Bharati Amodkar" userId="S::bharatia20@iimb.ac.in::2e55b8d5-52bb-48e1-8681-a02c247dfb34" providerId="AD" clId="Web-{DC63E01C-608B-4C97-8271-CC4B0157A2A6}" dt="2021-08-27T04:01:15.285" v="27" actId="1076"/>
+          <ac:picMkLst>
+            <pc:docMk/>
+            <pc:sldMk cId="2911658869" sldId="264"/>
+            <ac:picMk id="54" creationId="{800964F3-3695-4048-996C-92E7C95933B6}"/>
+          </ac:picMkLst>
+        </pc:picChg>
+        <pc:cxnChg chg="mod">
+          <ac:chgData name="Bharati Amodkar" userId="S::bharatia20@iimb.ac.in::2e55b8d5-52bb-48e1-8681-a02c247dfb34" providerId="AD" clId="Web-{DC63E01C-608B-4C97-8271-CC4B0157A2A6}" dt="2021-08-27T03:59:57.159" v="8" actId="1076"/>
+          <ac:cxnSpMkLst>
+            <pc:docMk/>
+            <pc:sldMk cId="2911658869" sldId="264"/>
+            <ac:cxnSpMk id="40" creationId="{BA1DD1E3-CD7C-4200-A288-7D54BC23DCCC}"/>
+          </ac:cxnSpMkLst>
+        </pc:cxnChg>
+        <pc:cxnChg chg="mod">
+          <ac:chgData name="Bharati Amodkar" userId="S::bharatia20@iimb.ac.in::2e55b8d5-52bb-48e1-8681-a02c247dfb34" providerId="AD" clId="Web-{DC63E01C-608B-4C97-8271-CC4B0157A2A6}" dt="2021-08-27T03:59:28.377" v="1" actId="1076"/>
+          <ac:cxnSpMkLst>
+            <pc:docMk/>
+            <pc:sldMk cId="2911658869" sldId="264"/>
+            <ac:cxnSpMk id="56" creationId="{7E632E52-D039-4B0D-BE6C-5735BB4DF65B}"/>
+          </ac:cxnSpMkLst>
+        </pc:cxnChg>
+        <pc:cxnChg chg="mod">
+          <ac:chgData name="Bharati Amodkar" userId="S::bharatia20@iimb.ac.in::2e55b8d5-52bb-48e1-8681-a02c247dfb34" providerId="AD" clId="Web-{DC63E01C-608B-4C97-8271-CC4B0157A2A6}" dt="2021-08-27T04:00:09.300" v="12" actId="1076"/>
+          <ac:cxnSpMkLst>
+            <pc:docMk/>
+            <pc:sldMk cId="2911658869" sldId="264"/>
+            <ac:cxnSpMk id="58" creationId="{E5077D8A-DEC8-4E84-8921-BABDE76282F0}"/>
+          </ac:cxnSpMkLst>
+        </pc:cxnChg>
+        <pc:cxnChg chg="mod">
+          <ac:chgData name="Bharati Amodkar" userId="S::bharatia20@iimb.ac.in::2e55b8d5-52bb-48e1-8681-a02c247dfb34" providerId="AD" clId="Web-{DC63E01C-608B-4C97-8271-CC4B0157A2A6}" dt="2021-08-27T04:00:25.050" v="15" actId="1076"/>
+          <ac:cxnSpMkLst>
+            <pc:docMk/>
+            <pc:sldMk cId="2911658869" sldId="264"/>
+            <ac:cxnSpMk id="59" creationId="{60A418DA-08EF-450B-B5D1-213BF0327192}"/>
+          </ac:cxnSpMkLst>
+        </pc:cxnChg>
+        <pc:cxnChg chg="mod">
+          <ac:chgData name="Bharati Amodkar" userId="S::bharatia20@iimb.ac.in::2e55b8d5-52bb-48e1-8681-a02c247dfb34" providerId="AD" clId="Web-{DC63E01C-608B-4C97-8271-CC4B0157A2A6}" dt="2021-08-27T04:01:01.254" v="24" actId="1076"/>
+          <ac:cxnSpMkLst>
+            <pc:docMk/>
+            <pc:sldMk cId="2911658869" sldId="264"/>
+            <ac:cxnSpMk id="62" creationId="{3A9FCA68-0629-4DB6-960D-48A88C03D49A}"/>
+          </ac:cxnSpMkLst>
+        </pc:cxnChg>
+        <pc:cxnChg chg="mod">
+          <ac:chgData name="Bharati Amodkar" userId="S::bharatia20@iimb.ac.in::2e55b8d5-52bb-48e1-8681-a02c247dfb34" providerId="AD" clId="Web-{DC63E01C-608B-4C97-8271-CC4B0157A2A6}" dt="2021-08-27T04:01:10.285" v="26" actId="1076"/>
+          <ac:cxnSpMkLst>
+            <pc:docMk/>
+            <pc:sldMk cId="2911658869" sldId="264"/>
+            <ac:cxnSpMk id="64" creationId="{9670BA52-B95A-445E-8DF0-C3DEFFB3458C}"/>
+          </ac:cxnSpMkLst>
+        </pc:cxnChg>
+        <pc:cxnChg chg="mod">
+          <ac:chgData name="Bharati Amodkar" userId="S::bharatia20@iimb.ac.in::2e55b8d5-52bb-48e1-8681-a02c247dfb34" providerId="AD" clId="Web-{DC63E01C-608B-4C97-8271-CC4B0157A2A6}" dt="2021-08-27T04:00:04.987" v="9" actId="1076"/>
+          <ac:cxnSpMkLst>
+            <pc:docMk/>
+            <pc:sldMk cId="2911658869" sldId="264"/>
+            <ac:cxnSpMk id="65" creationId="{66EC1B05-7987-4B58-82EF-7620D34FC62A}"/>
+          </ac:cxnSpMkLst>
+        </pc:cxnChg>
       </pc:sldChg>
     </pc:docChg>
   </pc:docChgLst>
@@ -5946,45 +5946,6 @@
     </pc:docChg>
   </pc:docChgLst>
 </pc:chgInfo>
-</file>
-
-<file path=ppt/comments/comment1.xml><?xml version="1.0" encoding="utf-8"?>
-<p:cmLst xmlns:a="http://schemas.openxmlformats.org/drawingml/2006/main" xmlns:r="http://schemas.openxmlformats.org/officeDocument/2006/relationships" xmlns:p="http://schemas.openxmlformats.org/presentationml/2006/main">
-  <p:cm authorId="2" dt="2021-08-27T12:03:15.275" idx="4">
-    <p:pos x="10" y="10"/>
-    <p:text>[@Athul Viswam] Please start date and end date of the data we have considered</p:text>
-    <p:extLst>
-      <p:ext uri="{C676402C-5697-4E1C-873F-D02D1690AC5C}">
-        <p15:threadingInfo xmlns:p15="http://schemas.microsoft.com/office/powerpoint/2012/main" timeZoneBias="-330"/>
-      </p:ext>
-    </p:extLst>
-  </p:cm>
-  <p:cm authorId="1" dt="2021-08-27T12:13:04.743" idx="11">
-    <p:pos x="10" y="146"/>
-    <p:text>done</p:text>
-    <p:extLst>
-      <p:ext uri="{C676402C-5697-4E1C-873F-D02D1690AC5C}">
-        <p15:threadingInfo xmlns:p15="http://schemas.microsoft.com/office/powerpoint/2012/main" timeZoneBias="-330">
-          <p15:parentCm authorId="2" idx="4"/>
-        </p15:threadingInfo>
-      </p:ext>
-    </p:extLst>
-  </p:cm>
-</p:cmLst>
-</file>
-
-<file path=ppt/comments/comment2.xml><?xml version="1.0" encoding="utf-8"?>
-<p:cmLst xmlns:a="http://schemas.openxmlformats.org/drawingml/2006/main" xmlns:r="http://schemas.openxmlformats.org/officeDocument/2006/relationships" xmlns:p="http://schemas.openxmlformats.org/presentationml/2006/main">
-  <p:cm authorId="2" dt="2021-08-27T10:01:43.635" idx="1">
-    <p:pos x="10" y="10"/>
-    <p:text/>
-    <p:extLst>
-      <p:ext uri="{C676402C-5697-4E1C-873F-D02D1690AC5C}">
-        <p15:threadingInfo xmlns:p15="http://schemas.microsoft.com/office/powerpoint/2012/main" timeZoneBias="-330"/>
-      </p:ext>
-    </p:extLst>
-  </p:cm>
-</p:cmLst>
 </file>
 
 <file path=ppt/slideLayouts/slideLayout1.xml><?xml version="1.0" encoding="utf-8"?>
@@ -6307,7 +6268,7 @@
             <a:fld id="{8256C2ED-54A4-480D-B5C8-65C0D62359B9}" type="datetime2">
               <a:rPr lang="en-US" smtClean="0"/>
               <a:pPr/>
-              <a:t>Saturday, August 28, 2021</a:t>
+              <a:t>Friday, January 27, 2023</a:t>
             </a:fld>
             <a:endParaRPr lang="en-US"/>
           </a:p>
@@ -6464,7 +6425,7 @@
           <a:p>
             <a:fld id="{53CF612A-4CB0-4F57-9A87-F049CECB184D}" type="datetime2">
               <a:rPr lang="en-US" smtClean="0"/>
-              <a:t>Saturday, August 28, 2021</a:t>
+              <a:t>Friday, January 27, 2023</a:t>
             </a:fld>
             <a:endParaRPr lang="en-US"/>
           </a:p>
@@ -6683,7 +6644,7 @@
           <a:p>
             <a:fld id="{8F397F40-C8F7-4897-A6B8-241042F913A9}" type="datetime2">
               <a:rPr lang="en-US" smtClean="0"/>
-              <a:t>Saturday, August 28, 2021</a:t>
+              <a:t>Friday, January 27, 2023</a:t>
             </a:fld>
             <a:endParaRPr lang="en-US"/>
           </a:p>
@@ -7004,7 +6965,7 @@
             <a:fld id="{8256C2ED-54A4-480D-B5C8-65C0D62359B9}" type="datetime2">
               <a:rPr lang="en-US" smtClean="0"/>
               <a:pPr/>
-              <a:t>Saturday, August 28, 2021</a:t>
+              <a:t>Friday, January 27, 2023</a:t>
             </a:fld>
             <a:endParaRPr lang="en-US"/>
           </a:p>
@@ -7238,7 +7199,7 @@
           <a:p>
             <a:fld id="{10EDCA73-0A86-4195-A787-75037827079D}" type="datetime2">
               <a:rPr lang="en-US" smtClean="0"/>
-              <a:t>Saturday, August 28, 2021</a:t>
+              <a:t>Friday, January 27, 2023</a:t>
             </a:fld>
             <a:endParaRPr lang="en-US"/>
           </a:p>
@@ -7586,7 +7547,7 @@
           <a:p>
             <a:fld id="{83C75374-B296-498E-A935-80631EA9020D}" type="datetime2">
               <a:rPr lang="en-US" smtClean="0"/>
-              <a:t>Saturday, August 28, 2021</a:t>
+              <a:t>Friday, January 27, 2023</a:t>
             </a:fld>
             <a:endParaRPr lang="en-US"/>
           </a:p>
@@ -8023,7 +7984,7 @@
           <a:p>
             <a:fld id="{B098B728-214A-4ABC-8432-5B3A5A66A987}" type="datetime2">
               <a:rPr lang="en-US" smtClean="0"/>
-              <a:t>Saturday, August 28, 2021</a:t>
+              <a:t>Friday, January 27, 2023</a:t>
             </a:fld>
             <a:endParaRPr lang="en-US"/>
           </a:p>
@@ -8180,7 +8141,7 @@
           <a:p>
             <a:fld id="{015F02D0-6806-43AF-9888-2359BF40C204}" type="datetime2">
               <a:rPr lang="en-US" smtClean="0"/>
-              <a:t>Saturday, August 28, 2021</a:t>
+              <a:t>Friday, January 27, 2023</a:t>
             </a:fld>
             <a:endParaRPr lang="en-US"/>
           </a:p>
@@ -8304,7 +8265,7 @@
           <a:p>
             <a:fld id="{8EE14D2D-B1AF-4197-82D6-FC1F8BD05681}" type="datetime2">
               <a:rPr lang="en-US" smtClean="0"/>
-              <a:t>Saturday, August 28, 2021</a:t>
+              <a:t>Friday, January 27, 2023</a:t>
             </a:fld>
             <a:endParaRPr lang="en-US"/>
           </a:p>
@@ -8630,7 +8591,7 @@
           <a:p>
             <a:fld id="{98771CEB-9838-4245-91B8-EFBAFE2D8B44}" type="datetime2">
               <a:rPr lang="en-US" smtClean="0"/>
-              <a:t>Saturday, August 28, 2021</a:t>
+              <a:t>Friday, January 27, 2023</a:t>
             </a:fld>
             <a:endParaRPr lang="en-US"/>
           </a:p>
@@ -8936,7 +8897,7 @@
           <a:p>
             <a:fld id="{51D3F6BF-A585-41F8-88DF-7E5D069F892A}" type="datetime2">
               <a:rPr lang="en-US" smtClean="0"/>
-              <a:t>Saturday, August 28, 2021</a:t>
+              <a:t>Friday, January 27, 2023</a:t>
             </a:fld>
             <a:endParaRPr lang="en-US"/>
           </a:p>
@@ -9277,7 +9238,7 @@
             <a:fld id="{8256C2ED-54A4-480D-B5C8-65C0D62359B9}" type="datetime2">
               <a:rPr lang="en-US" smtClean="0"/>
               <a:pPr/>
-              <a:t>Saturday, August 28, 2021</a:t>
+              <a:t>Friday, January 27, 2023</a:t>
             </a:fld>
             <a:endParaRPr lang="en-US"/>
           </a:p>
@@ -9832,48 +9793,6 @@
           </a:p>
         </p:txBody>
       </p:sp>
-      <p:sp>
-        <p:nvSpPr>
-          <p:cNvPr id="3" name="Subtitle 2">
-            <a:extLst>
-              <a:ext uri="{FF2B5EF4-FFF2-40B4-BE49-F238E27FC236}">
-                <a16:creationId xmlns:a16="http://schemas.microsoft.com/office/drawing/2014/main" id="{6C14C931-7046-48D3-B45D-39F231EB0AED}"/>
-              </a:ext>
-            </a:extLst>
-          </p:cNvPr>
-          <p:cNvSpPr>
-            <a:spLocks noGrp="1"/>
-          </p:cNvSpPr>
-          <p:nvPr>
-            <p:ph type="subTitle" idx="1"/>
-          </p:nvPr>
-        </p:nvSpPr>
-        <p:spPr>
-          <a:xfrm>
-            <a:off x="6508086" y="4148817"/>
-            <a:ext cx="5430100" cy="1293303"/>
-          </a:xfrm>
-        </p:spPr>
-        <p:txBody>
-          <a:bodyPr>
-            <a:normAutofit/>
-          </a:bodyPr>
-          <a:lstStyle/>
-          <a:p>
-            <a:r>
-              <a:rPr lang="en-US" b="1">
-                <a:solidFill>
-                  <a:srgbClr val="FFFFFF"/>
-                </a:solidFill>
-              </a:rPr>
-              <a:t>Group 5</a:t>
-            </a:r>
-          </a:p>
-          <a:p>
-            <a:endParaRPr lang="en-US"/>
-          </a:p>
-        </p:txBody>
-      </p:sp>
       <p:cxnSp>
         <p:nvCxnSpPr>
           <p:cNvPr id="32" name="Straight Connector 31">
@@ -9926,184 +9845,6 @@
           </a:fontRef>
         </p:style>
       </p:cxnSp>
-      <p:sp>
-        <p:nvSpPr>
-          <p:cNvPr id="4" name="TextBox 3">
-            <a:extLst>
-              <a:ext uri="{FF2B5EF4-FFF2-40B4-BE49-F238E27FC236}">
-                <a16:creationId xmlns:a16="http://schemas.microsoft.com/office/drawing/2014/main" id="{4E8865C4-59EC-45E2-92D8-12437DBB6D05}"/>
-              </a:ext>
-            </a:extLst>
-          </p:cNvPr>
-          <p:cNvSpPr txBox="1"/>
-          <p:nvPr/>
-        </p:nvSpPr>
-        <p:spPr>
-          <a:xfrm>
-            <a:off x="7705656" y="4240502"/>
-            <a:ext cx="4039155" cy="1754326"/>
-          </a:xfrm>
-          <a:prstGeom prst="rect">
-            <a:avLst/>
-          </a:prstGeom>
-          <a:noFill/>
-        </p:spPr>
-        <p:txBody>
-          <a:bodyPr rot="0" spcFirstLastPara="0" vertOverflow="overflow" horzOverflow="overflow" vert="horz" wrap="square" lIns="91440" tIns="45720" rIns="91440" bIns="45720" numCol="1" spcCol="0" rtlCol="0" fromWordArt="0" anchor="t" anchorCtr="0" forceAA="0" compatLnSpc="1">
-            <a:prstTxWarp prst="textNoShape">
-              <a:avLst/>
-            </a:prstTxWarp>
-            <a:spAutoFit/>
-          </a:bodyPr>
-          <a:lstStyle/>
-          <a:p>
-            <a:pPr algn="ctr"/>
-            <a:r>
-              <a:rPr lang="en-GB">
-                <a:latin typeface="word"/>
-                <a:cs typeface="Segoe UI"/>
-              </a:rPr>
-              <a:t>Bharti </a:t>
-            </a:r>
-            <a:r>
-              <a:rPr lang="en-GB" err="1">
-                <a:latin typeface="word"/>
-                <a:cs typeface="Segoe UI"/>
-              </a:rPr>
-              <a:t>Amodkar</a:t>
-            </a:r>
-            <a:r>
-              <a:rPr lang="en-GB">
-                <a:latin typeface="word"/>
-                <a:cs typeface="Segoe UI"/>
-              </a:rPr>
-              <a:t>               2011303</a:t>
-            </a:r>
-            <a:r>
-              <a:rPr lang="en-US">
-                <a:latin typeface="word"/>
-                <a:cs typeface="Segoe UI"/>
-              </a:rPr>
-              <a:t>​</a:t>
-            </a:r>
-          </a:p>
-          <a:p>
-            <a:pPr algn="ctr"/>
-            <a:r>
-              <a:rPr lang="en-GB">
-                <a:latin typeface="word"/>
-                <a:ea typeface="+mn-lt"/>
-                <a:cs typeface="+mn-lt"/>
-              </a:rPr>
-              <a:t>Kartik Bhargava             2011311</a:t>
-            </a:r>
-            <a:endParaRPr lang="en-US">
-              <a:latin typeface="word"/>
-            </a:endParaRPr>
-          </a:p>
-          <a:p>
-            <a:pPr algn="ctr"/>
-            <a:r>
-              <a:rPr lang="en-GB">
-                <a:latin typeface="word"/>
-                <a:cs typeface="Segoe UI"/>
-              </a:rPr>
-              <a:t>Ajay Choudhary              2011461</a:t>
-            </a:r>
-            <a:r>
-              <a:rPr lang="en-US">
-                <a:latin typeface="word"/>
-                <a:cs typeface="Segoe UI"/>
-              </a:rPr>
-              <a:t>​</a:t>
-            </a:r>
-            <a:endParaRPr lang="en-US">
-              <a:latin typeface="word"/>
-              <a:ea typeface="Source Sans Pro"/>
-              <a:cs typeface="Segoe UI"/>
-            </a:endParaRPr>
-          </a:p>
-          <a:p>
-            <a:pPr algn="ctr"/>
-            <a:r>
-              <a:rPr lang="en-GB" err="1">
-                <a:latin typeface="word"/>
-                <a:cs typeface="Segoe UI"/>
-              </a:rPr>
-              <a:t>Athul</a:t>
-            </a:r>
-            <a:r>
-              <a:rPr lang="en-GB">
-                <a:latin typeface="word"/>
-                <a:cs typeface="Segoe UI"/>
-              </a:rPr>
-              <a:t> </a:t>
-            </a:r>
-            <a:r>
-              <a:rPr lang="en-GB" err="1">
-                <a:latin typeface="word"/>
-                <a:cs typeface="Segoe UI"/>
-              </a:rPr>
-              <a:t>Viswam</a:t>
-            </a:r>
-            <a:r>
-              <a:rPr lang="en-GB">
-                <a:latin typeface="word"/>
-                <a:cs typeface="Segoe UI"/>
-              </a:rPr>
-              <a:t>                  2011518</a:t>
-            </a:r>
-            <a:r>
-              <a:rPr lang="en-US">
-                <a:latin typeface="word"/>
-                <a:cs typeface="Segoe UI"/>
-              </a:rPr>
-              <a:t>​</a:t>
-            </a:r>
-            <a:endParaRPr lang="en-US">
-              <a:latin typeface="word"/>
-              <a:ea typeface="Source Sans Pro"/>
-              <a:cs typeface="Segoe UI"/>
-            </a:endParaRPr>
-          </a:p>
-          <a:p>
-            <a:pPr algn="ctr"/>
-            <a:r>
-              <a:rPr lang="en-GB" err="1">
-                <a:latin typeface="word"/>
-                <a:cs typeface="Segoe UI"/>
-              </a:rPr>
-              <a:t>Rahav</a:t>
-            </a:r>
-            <a:r>
-              <a:rPr lang="en-GB">
-                <a:latin typeface="word"/>
-                <a:cs typeface="Segoe UI"/>
-              </a:rPr>
-              <a:t> Manoharan          2017026</a:t>
-            </a:r>
-            <a:r>
-              <a:rPr lang="en-US">
-                <a:latin typeface="word"/>
-                <a:cs typeface="Segoe UI"/>
-              </a:rPr>
-              <a:t>​</a:t>
-            </a:r>
-            <a:endParaRPr lang="en-US">
-              <a:latin typeface="word"/>
-              <a:ea typeface="Source Sans Pro"/>
-              <a:cs typeface="Segoe UI"/>
-            </a:endParaRPr>
-          </a:p>
-          <a:p>
-            <a:endParaRPr lang="en-GB">
-              <a:latin typeface="word"/>
-              <a:ea typeface="Source Sans Pro"/>
-              <a:cs typeface="Segoe UI"/>
-            </a:endParaRPr>
-          </a:p>
-        </p:txBody>
-      </p:sp>
     </p:spTree>
     <p:extLst>
       <p:ext uri="{BB962C8B-B14F-4D97-AF65-F5344CB8AC3E}">
@@ -14709,7 +14450,7 @@
           <p:nvPr/>
         </p:nvPicPr>
         <p:blipFill>
-          <a:blip r:embed="rId2">
+          <a:blip r:embed="rId2" cstate="print">
             <a:extLst>
               <a:ext uri="{28A0092B-C50C-407E-A947-70E740481C1C}">
                 <a14:useLocalDpi xmlns:a14="http://schemas.microsoft.com/office/drawing/2010/main" val="0"/>
@@ -17595,8 +17336,8 @@
           </a:p>
         </p:txBody>
       </p:sp>
-      <mc:AlternateContent xmlns:mc="http://schemas.openxmlformats.org/markup-compatibility/2006">
-        <mc:Choice xmlns:a14="http://schemas.microsoft.com/office/drawing/2010/main" Requires="a14">
+      <mc:AlternateContent xmlns:mc="http://schemas.openxmlformats.org/markup-compatibility/2006" xmlns:a14="http://schemas.microsoft.com/office/drawing/2010/main">
+        <mc:Choice Requires="a14">
           <p:sp>
             <p:nvSpPr>
               <p:cNvPr id="5" name="TextBox 4">
@@ -17998,7 +17739,7 @@
             </p:txBody>
           </p:sp>
         </mc:Choice>
-        <mc:Fallback>
+        <mc:Fallback xmlns="">
           <p:sp>
             <p:nvSpPr>
               <p:cNvPr id="5" name="TextBox 4">
@@ -18218,8 +17959,8 @@
           </a:p>
         </p:txBody>
       </p:sp>
-      <mc:AlternateContent xmlns:mc="http://schemas.openxmlformats.org/markup-compatibility/2006">
-        <mc:Choice xmlns:a14="http://schemas.microsoft.com/office/drawing/2010/main" Requires="a14">
+      <mc:AlternateContent xmlns:mc="http://schemas.openxmlformats.org/markup-compatibility/2006" xmlns:a14="http://schemas.microsoft.com/office/drawing/2010/main">
+        <mc:Choice Requires="a14">
           <p:sp>
             <p:nvSpPr>
               <p:cNvPr id="10" name="TextBox 9">
@@ -18441,7 +18182,7 @@
             </p:txBody>
           </p:sp>
         </mc:Choice>
-        <mc:Fallback>
+        <mc:Fallback xmlns="">
           <p:sp>
             <p:nvSpPr>
               <p:cNvPr id="10" name="TextBox 9">
@@ -18646,8 +18387,8 @@
           </a:prstGeom>
         </p:spPr>
       </p:pic>
-      <mc:AlternateContent xmlns:mc="http://schemas.openxmlformats.org/markup-compatibility/2006">
-        <mc:Choice xmlns:a14="http://schemas.microsoft.com/office/drawing/2010/main" Requires="a14">
+      <mc:AlternateContent xmlns:mc="http://schemas.openxmlformats.org/markup-compatibility/2006" xmlns:a14="http://schemas.microsoft.com/office/drawing/2010/main">
+        <mc:Choice Requires="a14">
           <p:sp>
             <p:nvSpPr>
               <p:cNvPr id="9" name="TextBox 8">
@@ -18928,7 +18669,7 @@
             </p:txBody>
           </p:sp>
         </mc:Choice>
-        <mc:Fallback>
+        <mc:Fallback xmlns="">
           <p:sp>
             <p:nvSpPr>
               <p:cNvPr id="9" name="TextBox 8">
@@ -19469,8 +19210,8 @@
           </a:prstGeom>
         </p:spPr>
       </p:pic>
-      <mc:AlternateContent xmlns:mc="http://schemas.openxmlformats.org/markup-compatibility/2006">
-        <mc:Choice xmlns:a14="http://schemas.microsoft.com/office/drawing/2010/main" Requires="a14">
+      <mc:AlternateContent xmlns:mc="http://schemas.openxmlformats.org/markup-compatibility/2006" xmlns:a14="http://schemas.microsoft.com/office/drawing/2010/main">
+        <mc:Choice Requires="a14">
           <p:sp>
             <p:nvSpPr>
               <p:cNvPr id="8" name="TextBox 7">
@@ -19844,7 +19585,7 @@
             </p:txBody>
           </p:sp>
         </mc:Choice>
-        <mc:Fallback>
+        <mc:Fallback xmlns="">
           <p:sp>
             <p:nvSpPr>
               <p:cNvPr id="8" name="TextBox 7">
@@ -20064,8 +19805,8 @@
           </a:p>
         </p:txBody>
       </p:sp>
-      <mc:AlternateContent xmlns:mc="http://schemas.openxmlformats.org/markup-compatibility/2006">
-        <mc:Choice xmlns:a14="http://schemas.microsoft.com/office/drawing/2010/main" Requires="a14">
+      <mc:AlternateContent xmlns:mc="http://schemas.openxmlformats.org/markup-compatibility/2006" xmlns:a14="http://schemas.microsoft.com/office/drawing/2010/main">
+        <mc:Choice Requires="a14">
           <p:sp>
             <p:nvSpPr>
               <p:cNvPr id="9" name="TextBox 8">
@@ -20287,7 +20028,7 @@
             </p:txBody>
           </p:sp>
         </mc:Choice>
-        <mc:Fallback>
+        <mc:Fallback xmlns="">
           <p:sp>
             <p:nvSpPr>
               <p:cNvPr id="9" name="TextBox 8">
@@ -22250,8 +21991,8 @@
           </a:p>
         </p:txBody>
       </p:sp>
-      <mc:AlternateContent xmlns:mc="http://schemas.openxmlformats.org/markup-compatibility/2006">
-        <mc:Choice xmlns:a14="http://schemas.microsoft.com/office/drawing/2010/main" Requires="a14">
+      <mc:AlternateContent xmlns:mc="http://schemas.openxmlformats.org/markup-compatibility/2006" xmlns:a14="http://schemas.microsoft.com/office/drawing/2010/main">
+        <mc:Choice Requires="a14">
           <p:sp>
             <p:nvSpPr>
               <p:cNvPr id="7" name="TextBox 6">
@@ -22702,7 +22443,7 @@
             </p:txBody>
           </p:sp>
         </mc:Choice>
-        <mc:Fallback>
+        <mc:Fallback xmlns="">
           <p:sp>
             <p:nvSpPr>
               <p:cNvPr id="7" name="TextBox 6">
@@ -22747,8 +22488,8 @@
           </p:sp>
         </mc:Fallback>
       </mc:AlternateContent>
-      <mc:AlternateContent xmlns:mc="http://schemas.openxmlformats.org/markup-compatibility/2006">
-        <mc:Choice xmlns:a14="http://schemas.microsoft.com/office/drawing/2010/main" Requires="a14">
+      <mc:AlternateContent xmlns:mc="http://schemas.openxmlformats.org/markup-compatibility/2006" xmlns:a14="http://schemas.microsoft.com/office/drawing/2010/main">
+        <mc:Choice Requires="a14">
           <p:sp>
             <p:nvSpPr>
               <p:cNvPr id="8" name="TextBox 7">
@@ -22886,7 +22627,7 @@
             </p:txBody>
           </p:sp>
         </mc:Choice>
-        <mc:Fallback>
+        <mc:Fallback xmlns="">
           <p:sp>
             <p:nvSpPr>
               <p:cNvPr id="8" name="TextBox 7">
@@ -23093,7 +22834,7 @@
           <p:nvPr/>
         </p:nvPicPr>
         <p:blipFill rotWithShape="1">
-          <a:blip r:embed="rId2">
+          <a:blip r:embed="rId2" cstate="print">
             <a:extLst>
               <a:ext uri="{28A0092B-C50C-407E-A947-70E740481C1C}">
                 <a14:useLocalDpi xmlns:a14="http://schemas.microsoft.com/office/drawing/2010/main" val="0"/>
@@ -23562,8 +23303,8 @@
           </a:p>
         </p:txBody>
       </p:sp>
-      <mc:AlternateContent xmlns:mc="http://schemas.openxmlformats.org/markup-compatibility/2006">
-        <mc:Choice xmlns:a14="http://schemas.microsoft.com/office/drawing/2010/main" Requires="a14">
+      <mc:AlternateContent xmlns:mc="http://schemas.openxmlformats.org/markup-compatibility/2006" xmlns:a14="http://schemas.microsoft.com/office/drawing/2010/main">
+        <mc:Choice Requires="a14">
           <p:sp>
             <p:nvSpPr>
               <p:cNvPr id="6" name="TextBox 5">
@@ -23958,7 +23699,7 @@
             </p:txBody>
           </p:sp>
         </mc:Choice>
-        <mc:Fallback>
+        <mc:Fallback xmlns="">
           <p:sp>
             <p:nvSpPr>
               <p:cNvPr id="6" name="TextBox 5">
@@ -29377,6 +29118,12 @@
 </file>
 
 <file path=customXml/item2.xml><?xml version="1.0" encoding="utf-8"?>
+<p:properties xmlns:p="http://schemas.microsoft.com/office/2006/metadata/properties" xmlns:xsi="http://www.w3.org/2001/XMLSchema-instance" xmlns:pc="http://schemas.microsoft.com/office/infopath/2007/PartnerControls">
+  <documentManagement/>
+</p:properties>
+</file>
+
+<file path=customXml/item3.xml><?xml version="1.0" encoding="utf-8"?>
 <ct:contentTypeSchema xmlns:ct="http://schemas.microsoft.com/office/2006/metadata/contentType" xmlns:ma="http://schemas.microsoft.com/office/2006/metadata/properties/metaAttributes" ct:_="" ma:_="" ma:contentTypeName="Document" ma:contentTypeID="0x01010097DF17EBF101EC4A860D0D9841611D4B" ma:contentTypeVersion="4" ma:contentTypeDescription="Create a new document." ma:contentTypeScope="" ma:versionID="675f4f180f937b30638bea4edf9645c4">
   <xsd:schema xmlns:xsd="http://www.w3.org/2001/XMLSchema" xmlns:xs="http://www.w3.org/2001/XMLSchema" xmlns:p="http://schemas.microsoft.com/office/2006/metadata/properties" xmlns:ns2="7e3f5380-d3a2-4bf9-87de-f6ee800b02a7" targetNamespace="http://schemas.microsoft.com/office/2006/metadata/properties" ma:root="true" ma:fieldsID="89bfb8c0207092d3a35125480333a2d9" ns2:_="">
     <xsd:import namespace="7e3f5380-d3a2-4bf9-87de-f6ee800b02a7"/>
@@ -29522,12 +29269,6 @@
 </ct:contentTypeSchema>
 </file>
 
-<file path=customXml/item3.xml><?xml version="1.0" encoding="utf-8"?>
-<p:properties xmlns:p="http://schemas.microsoft.com/office/2006/metadata/properties" xmlns:xsi="http://www.w3.org/2001/XMLSchema-instance" xmlns:pc="http://schemas.microsoft.com/office/infopath/2007/PartnerControls">
-  <documentManagement/>
-</p:properties>
-</file>
-
 <file path=customXml/itemProps1.xml><?xml version="1.0" encoding="utf-8"?>
 <ds:datastoreItem xmlns:ds="http://schemas.openxmlformats.org/officeDocument/2006/customXml" ds:itemID="{DEA4C7E3-E302-4CB7-A7B0-B9B22681D238}">
   <ds:schemaRefs>
@@ -29537,6 +29278,22 @@
 </file>
 
 <file path=customXml/itemProps2.xml><?xml version="1.0" encoding="utf-8"?>
+<ds:datastoreItem xmlns:ds="http://schemas.openxmlformats.org/officeDocument/2006/customXml" ds:itemID="{8F98C966-2646-4F05-9C1A-C8AA096A0CF1}">
+  <ds:schemaRefs>
+    <ds:schemaRef ds:uri="7e3f5380-d3a2-4bf9-87de-f6ee800b02a7"/>
+    <ds:schemaRef ds:uri="http://schemas.openxmlformats.org/package/2006/metadata/core-properties"/>
+    <ds:schemaRef ds:uri="http://schemas.microsoft.com/office/2006/metadata/properties"/>
+    <ds:schemaRef ds:uri="http://purl.org/dc/elements/1.1/"/>
+    <ds:schemaRef ds:uri="http://purl.org/dc/dcmitype/"/>
+    <ds:schemaRef ds:uri="http://schemas.microsoft.com/office/infopath/2007/PartnerControls"/>
+    <ds:schemaRef ds:uri="http://schemas.microsoft.com/office/2006/documentManagement/types"/>
+    <ds:schemaRef ds:uri="http://www.w3.org/XML/1998/namespace"/>
+    <ds:schemaRef ds:uri="http://purl.org/dc/terms/"/>
+  </ds:schemaRefs>
+</ds:datastoreItem>
+</file>
+
+<file path=customXml/itemProps3.xml><?xml version="1.0" encoding="utf-8"?>
 <ds:datastoreItem xmlns:ds="http://schemas.openxmlformats.org/officeDocument/2006/customXml" ds:itemID="{E6D8CFCB-32F8-4375-B9D6-35A928260897}">
   <ds:schemaRefs>
     <ds:schemaRef ds:uri="7e3f5380-d3a2-4bf9-87de-f6ee800b02a7"/>
@@ -29552,20 +29309,4 @@
     <ds:schemaRef ds:uri="http://www.w3.org/2001/XMLSchema"/>
   </ds:schemaRefs>
 </ds:datastoreItem>
-</file>
-
-<file path=customXml/itemProps3.xml><?xml version="1.0" encoding="utf-8"?>
-<ds:datastoreItem xmlns:ds="http://schemas.openxmlformats.org/officeDocument/2006/customXml" ds:itemID="{8F98C966-2646-4F05-9C1A-C8AA096A0CF1}">
-  <ds:schemaRefs>
-    <ds:schemaRef ds:uri="7e3f5380-d3a2-4bf9-87de-f6ee800b02a7"/>
-    <ds:schemaRef ds:uri="http://purl.org/dc/dcmitype/"/>
-    <ds:schemaRef ds:uri="http://purl.org/dc/elements/1.1/"/>
-    <ds:schemaRef ds:uri="http://purl.org/dc/terms/"/>
-    <ds:schemaRef ds:uri="http://schemas.microsoft.com/office/2006/documentManagement/types"/>
-    <ds:schemaRef ds:uri="http://schemas.microsoft.com/office/2006/metadata/properties"/>
-    <ds:schemaRef ds:uri="http://schemas.microsoft.com/office/infopath/2007/PartnerControls"/>
-    <ds:schemaRef ds:uri="http://schemas.openxmlformats.org/package/2006/metadata/core-properties"/>
-    <ds:schemaRef ds:uri="http://www.w3.org/XML/1998/namespace"/>
-  </ds:schemaRefs>
-</ds:datastoreItem>
 </file>